--- a/Lectures/2_analysisbasics.pptx
+++ b/Lectures/2_analysisbasics.pptx
@@ -113,6 +113,11 @@
       </a:defRPr>
     </a:lvl9pPr>
   </p:defaultTextStyle>
+  <p:extLst>
+    <p:ext uri="{EFAFB233-063F-42B5-8137-9DF3F51BA10A}">
+      <p15:sldGuideLst xmlns:p15="http://schemas.microsoft.com/office/powerpoint/2012/main"/>
+    </p:ext>
+  </p:extLst>
 </p:presentation>
 </file>
 
@@ -263,7 +268,7 @@
           <a:p>
             <a:fld id="{32D658C9-E3B3-A84E-8F46-4D7DD5A11DF4}" type="datetimeFigureOut">
               <a:rPr lang="en-US" smtClean="0"/>
-              <a:t>8/22/18</a:t>
+              <a:t>1/9/19</a:t>
             </a:fld>
             <a:endParaRPr lang="en-US"/>
           </a:p>
@@ -461,7 +466,7 @@
           <a:p>
             <a:fld id="{32D658C9-E3B3-A84E-8F46-4D7DD5A11DF4}" type="datetimeFigureOut">
               <a:rPr lang="en-US" smtClean="0"/>
-              <a:t>8/22/18</a:t>
+              <a:t>1/9/19</a:t>
             </a:fld>
             <a:endParaRPr lang="en-US"/>
           </a:p>
@@ -669,7 +674,7 @@
           <a:p>
             <a:fld id="{32D658C9-E3B3-A84E-8F46-4D7DD5A11DF4}" type="datetimeFigureOut">
               <a:rPr lang="en-US" smtClean="0"/>
-              <a:t>8/22/18</a:t>
+              <a:t>1/9/19</a:t>
             </a:fld>
             <a:endParaRPr lang="en-US"/>
           </a:p>
@@ -867,7 +872,7 @@
           <a:p>
             <a:fld id="{32D658C9-E3B3-A84E-8F46-4D7DD5A11DF4}" type="datetimeFigureOut">
               <a:rPr lang="en-US" smtClean="0"/>
-              <a:t>8/22/18</a:t>
+              <a:t>1/9/19</a:t>
             </a:fld>
             <a:endParaRPr lang="en-US"/>
           </a:p>
@@ -1142,7 +1147,7 @@
           <a:p>
             <a:fld id="{32D658C9-E3B3-A84E-8F46-4D7DD5A11DF4}" type="datetimeFigureOut">
               <a:rPr lang="en-US" smtClean="0"/>
-              <a:t>8/22/18</a:t>
+              <a:t>1/9/19</a:t>
             </a:fld>
             <a:endParaRPr lang="en-US"/>
           </a:p>
@@ -1407,7 +1412,7 @@
           <a:p>
             <a:fld id="{32D658C9-E3B3-A84E-8F46-4D7DD5A11DF4}" type="datetimeFigureOut">
               <a:rPr lang="en-US" smtClean="0"/>
-              <a:t>8/22/18</a:t>
+              <a:t>1/9/19</a:t>
             </a:fld>
             <a:endParaRPr lang="en-US"/>
           </a:p>
@@ -1819,7 +1824,7 @@
           <a:p>
             <a:fld id="{32D658C9-E3B3-A84E-8F46-4D7DD5A11DF4}" type="datetimeFigureOut">
               <a:rPr lang="en-US" smtClean="0"/>
-              <a:t>8/22/18</a:t>
+              <a:t>1/9/19</a:t>
             </a:fld>
             <a:endParaRPr lang="en-US"/>
           </a:p>
@@ -1960,7 +1965,7 @@
           <a:p>
             <a:fld id="{32D658C9-E3B3-A84E-8F46-4D7DD5A11DF4}" type="datetimeFigureOut">
               <a:rPr lang="en-US" smtClean="0"/>
-              <a:t>8/22/18</a:t>
+              <a:t>1/9/19</a:t>
             </a:fld>
             <a:endParaRPr lang="en-US"/>
           </a:p>
@@ -2073,7 +2078,7 @@
           <a:p>
             <a:fld id="{32D658C9-E3B3-A84E-8F46-4D7DD5A11DF4}" type="datetimeFigureOut">
               <a:rPr lang="en-US" smtClean="0"/>
-              <a:t>8/22/18</a:t>
+              <a:t>1/9/19</a:t>
             </a:fld>
             <a:endParaRPr lang="en-US"/>
           </a:p>
@@ -2384,7 +2389,7 @@
           <a:p>
             <a:fld id="{32D658C9-E3B3-A84E-8F46-4D7DD5A11DF4}" type="datetimeFigureOut">
               <a:rPr lang="en-US" smtClean="0"/>
-              <a:t>8/22/18</a:t>
+              <a:t>1/9/19</a:t>
             </a:fld>
             <a:endParaRPr lang="en-US"/>
           </a:p>
@@ -2672,7 +2677,7 @@
           <a:p>
             <a:fld id="{32D658C9-E3B3-A84E-8F46-4D7DD5A11DF4}" type="datetimeFigureOut">
               <a:rPr lang="en-US" smtClean="0"/>
-              <a:t>8/22/18</a:t>
+              <a:t>1/9/19</a:t>
             </a:fld>
             <a:endParaRPr lang="en-US"/>
           </a:p>
@@ -2913,7 +2918,7 @@
           <a:p>
             <a:fld id="{32D658C9-E3B3-A84E-8F46-4D7DD5A11DF4}" type="datetimeFigureOut">
               <a:rPr lang="en-US" smtClean="0"/>
-              <a:t>8/22/18</a:t>
+              <a:t>1/9/19</a:t>
             </a:fld>
             <a:endParaRPr lang="en-US"/>
           </a:p>
@@ -3471,25 +3476,8 @@
           <a:p>
             <a:r>
               <a:rPr lang="en-US" dirty="0"/>
-              <a:t>Using the MLS data, what are the top five teams by average game attendance over the last 5 years? Post your spreadsheet answering the question to the Canvas assignment.</a:t>
-            </a:r>
-          </a:p>
-          <a:p>
-            <a:r>
-              <a:rPr lang="en-US" dirty="0"/>
-              <a:t>Be prepared on Monday to discuss how you arrived at the answers you got.</a:t>
-            </a:r>
-          </a:p>
-          <a:p>
-            <a:r>
-              <a:rPr lang="en-US" dirty="0"/>
-              <a:t>Read the AP Stylebook section on data journalism and then read the two replication essays, all in Files on </a:t>
-            </a:r>
-            <a:r>
-              <a:rPr lang="en-US"/>
-              <a:t>Canvas.</a:t>
-            </a:r>
-            <a:endParaRPr lang="en-US" dirty="0"/>
+              <a:t>Do the basic spreadsheet assignment on Canvas. To get credit, answer the questions at the bottom using the analysis you did in the previous section. </a:t>
+            </a:r>
           </a:p>
         </p:txBody>
       </p:sp>
